--- a/Vertical Handover.pptx
+++ b/Vertical Handover.pptx
@@ -228,7 +228,7 @@
             <a:fld id="{AC44EAE8-4FD2-4E8E-84ED-862060F3F4DD}" type="datetimeFigureOut">
               <a:rPr lang="en-CA" smtClean="0"/>
               <a:pPr/>
-              <a:t>02/07/2012</a:t>
+              <a:t>10/07/2012</a:t>
             </a:fld>
             <a:endParaRPr lang="en-CA"/>
           </a:p>
@@ -641,6 +641,61 @@
               <a:buFontTx/>
               <a:buNone/>
             </a:pPr>
+            <a:r>
+              <a:rPr lang="en-US" dirty="0" smtClean="0"/>
+              <a:t>Our topic is vertical handover – that is, the switching from one type of network to another.  For example from cellular (GSM/Edge/</a:t>
+            </a:r>
+            <a:r>
+              <a:rPr lang="en-US" dirty="0" err="1" smtClean="0"/>
+              <a:t>etc</a:t>
+            </a:r>
+            <a:r>
+              <a:rPr lang="en-US" dirty="0" smtClean="0"/>
+              <a:t>) to </a:t>
+            </a:r>
+            <a:r>
+              <a:rPr lang="en-US" dirty="0" err="1" smtClean="0"/>
+              <a:t>Wifi</a:t>
+            </a:r>
+            <a:r>
+              <a:rPr lang="en-US" dirty="0" smtClean="0"/>
+              <a:t> (802.11).</a:t>
+            </a:r>
+          </a:p>
+          <a:p>
+            <a:pPr>
+              <a:lnSpc>
+                <a:spcPct val="90000"/>
+              </a:lnSpc>
+              <a:buFontTx/>
+              <a:buNone/>
+            </a:pPr>
+            <a:endParaRPr lang="en-US" dirty="0" smtClean="0"/>
+          </a:p>
+          <a:p>
+            <a:pPr>
+              <a:lnSpc>
+                <a:spcPct val="90000"/>
+              </a:lnSpc>
+              <a:buFontTx/>
+              <a:buNone/>
+            </a:pPr>
+            <a:r>
+              <a:rPr lang="en-US" dirty="0" smtClean="0"/>
+              <a:t>We will be </a:t>
+            </a:r>
+            <a:r>
+              <a:rPr lang="en-US" dirty="0" err="1" smtClean="0"/>
+              <a:t>analysing</a:t>
+            </a:r>
+            <a:r>
+              <a:rPr lang="en-US" dirty="0" smtClean="0"/>
+              <a:t> several</a:t>
+            </a:r>
+            <a:r>
+              <a:rPr lang="en-US" baseline="0" dirty="0" smtClean="0"/>
+              <a:t> published papers on the topic and creating a software simulation that demonstrates some handover algorithms.</a:t>
+            </a:r>
             <a:endParaRPr lang="en-US" dirty="0" smtClean="0"/>
           </a:p>
         </p:txBody>
@@ -730,6 +785,14 @@
               <a:buFontTx/>
               <a:buNone/>
             </a:pPr>
+            <a:r>
+              <a:rPr lang="en-US" dirty="0" smtClean="0"/>
+              <a:t>When do you perform a vertical</a:t>
+            </a:r>
+            <a:r>
+              <a:rPr lang="en-US" baseline="0" dirty="0" smtClean="0"/>
+              <a:t> handover?   Many factors are involved, including handover time, speed of the available networks, cost of bandwidth, reliability, security, physical movement.</a:t>
+            </a:r>
             <a:endParaRPr lang="en-US" dirty="0" smtClean="0"/>
           </a:p>
         </p:txBody>
@@ -819,6 +882,18 @@
               <a:buFontTx/>
               <a:buNone/>
             </a:pPr>
+            <a:r>
+              <a:rPr lang="en-US" dirty="0" smtClean="0"/>
+              <a:t>In addition to </a:t>
+            </a:r>
+            <a:r>
+              <a:rPr lang="en-US" dirty="0" err="1" smtClean="0"/>
+              <a:t>analysing</a:t>
+            </a:r>
+            <a:r>
+              <a:rPr lang="en-US" baseline="0" dirty="0" smtClean="0"/>
+              <a:t> the existing published literature, we will enhance them with some new approaches for handover.</a:t>
+            </a:r>
             <a:endParaRPr lang="en-US" dirty="0" smtClean="0"/>
           </a:p>
         </p:txBody>
@@ -1164,7 +1239,7 @@
               <a:pPr>
                 <a:defRPr/>
               </a:pPr>
-              <a:t>7/2/2012</a:t>
+              <a:t>7/10/2012</a:t>
             </a:fld>
             <a:endParaRPr lang="en-US"/>
           </a:p>
@@ -1664,7 +1739,7 @@
               <a:pPr>
                 <a:defRPr/>
               </a:pPr>
-              <a:t>7/2/2012</a:t>
+              <a:t>7/10/2012</a:t>
             </a:fld>
             <a:endParaRPr lang="en-US"/>
           </a:p>
@@ -2108,7 +2183,7 @@
               <a:pPr>
                 <a:defRPr/>
               </a:pPr>
-              <a:t>7/2/2012</a:t>
+              <a:t>7/10/2012</a:t>
             </a:fld>
             <a:endParaRPr lang="en-US"/>
           </a:p>
@@ -2248,7 +2323,7 @@
               <a:pPr>
                 <a:defRPr/>
               </a:pPr>
-              <a:t>7/2/2012</a:t>
+              <a:t>7/10/2012</a:t>
             </a:fld>
             <a:endParaRPr lang="en-US"/>
           </a:p>
@@ -2365,7 +2440,7 @@
               <a:pPr>
                 <a:defRPr/>
               </a:pPr>
-              <a:t>7/2/2012</a:t>
+              <a:t>7/10/2012</a:t>
             </a:fld>
             <a:endParaRPr lang="en-US"/>
           </a:p>
@@ -2664,7 +2739,7 @@
               <a:pPr>
                 <a:defRPr/>
               </a:pPr>
-              <a:t>7/2/2012</a:t>
+              <a:t>7/10/2012</a:t>
             </a:fld>
             <a:endParaRPr lang="en-US"/>
           </a:p>
@@ -2945,7 +3020,7 @@
               <a:pPr>
                 <a:defRPr/>
               </a:pPr>
-              <a:t>7/2/2012</a:t>
+              <a:t>7/10/2012</a:t>
             </a:fld>
             <a:endParaRPr lang="en-US"/>
           </a:p>
@@ -3204,7 +3279,7 @@
               <a:pPr>
                 <a:defRPr/>
               </a:pPr>
-              <a:t>7/2/2012</a:t>
+              <a:t>7/10/2012</a:t>
             </a:fld>
             <a:endParaRPr lang="en-US"/>
           </a:p>
@@ -4258,19 +4333,7 @@
                   </a:outerShdw>
                 </a:effectLst>
               </a:rPr>
-              <a:t>Research </a:t>
-            </a:r>
-            <a:r>
-              <a:rPr lang="en-US" altLang="ko-KR" sz="2000" i="1" dirty="0" smtClean="0">
-                <a:effectLst>
-                  <a:outerShdw blurRad="38100" dist="38100" dir="2700000" algn="tl">
-                    <a:srgbClr val="000000">
-                      <a:alpha val="43137"/>
-                    </a:srgbClr>
-                  </a:outerShdw>
-                </a:effectLst>
-              </a:rPr>
-              <a:t>in Motion – Software Developer</a:t>
+              <a:t>Research in Motion – Software Developer</a:t>
             </a:r>
           </a:p>
           <a:p>
